--- a/Курсовой проект.pptx
+++ b/Курсовой проект.pptx
@@ -5,10 +5,10 @@
     <p:sldMasterId id="2147483648" r:id="rId4"/>
   </p:sldMasterIdLst>
   <p:notesMasterIdLst>
-    <p:notesMasterId r:id="rId13"/>
+    <p:notesMasterId r:id="rId14"/>
   </p:notesMasterIdLst>
   <p:handoutMasterIdLst>
-    <p:handoutMasterId r:id="rId14"/>
+    <p:handoutMasterId r:id="rId15"/>
   </p:handoutMasterIdLst>
   <p:sldIdLst>
     <p:sldId id="258" r:id="rId5"/>
@@ -16,9 +16,10 @@
     <p:sldId id="260" r:id="rId7"/>
     <p:sldId id="261" r:id="rId8"/>
     <p:sldId id="262" r:id="rId9"/>
-    <p:sldId id="263" r:id="rId10"/>
-    <p:sldId id="264" r:id="rId11"/>
-    <p:sldId id="266" r:id="rId12"/>
+    <p:sldId id="267" r:id="rId10"/>
+    <p:sldId id="263" r:id="rId11"/>
+    <p:sldId id="264" r:id="rId12"/>
+    <p:sldId id="266" r:id="rId13"/>
   </p:sldIdLst>
   <p:sldSz cx="12192000" cy="6858000"/>
   <p:notesSz cx="6858000" cy="9144000"/>
@@ -818,7 +819,7 @@
             <a:pPr rtl="0"/>
             <a:fld id="{9C900A82-9926-4DBA-8BA5-A22EEB8ACF8E}" type="slidenum">
               <a:rPr lang="ru-RU" noProof="1" smtClean="0"/>
-              <a:t>8</a:t>
+              <a:t>9</a:t>
             </a:fld>
             <a:endParaRPr lang="ru-RU" noProof="1"/>
           </a:p>
@@ -6542,7 +6543,7 @@
                 <a16:creationId xmlns:a16="http://schemas.microsoft.com/office/drawing/2014/main" id="{9179DE42-5613-4B35-A1E6-6CCBAA13C743}"/>
               </a:ext>
               <a:ext uri="{C183D7F6-B498-43B3-948B-1728B52AA6E4}">
-                <adec:decorative xmlns:adec="http://schemas.microsoft.com/office/drawing/2017/decorative" val="1"/>
+                <adec:decorative xmlns:adec="http://schemas.microsoft.com/office/drawing/2017/decorative" xmlns="" val="1"/>
               </a:ext>
             </a:extLst>
           </p:cNvPr>
@@ -6602,7 +6603,7 @@
                 <a16:creationId xmlns:a16="http://schemas.microsoft.com/office/drawing/2014/main" id="{EB898B32-3891-4C3A-8F58-C5969D2E9033}"/>
               </a:ext>
               <a:ext uri="{C183D7F6-B498-43B3-948B-1728B52AA6E4}">
-                <adec:decorative xmlns:adec="http://schemas.microsoft.com/office/drawing/2017/decorative" val="1"/>
+                <adec:decorative xmlns:adec="http://schemas.microsoft.com/office/drawing/2017/decorative" xmlns="" val="1"/>
               </a:ext>
             </a:extLst>
           </p:cNvPr>
@@ -6656,7 +6657,7 @@
                 <a16:creationId xmlns:a16="http://schemas.microsoft.com/office/drawing/2014/main" id="{4AE4806D-B8F9-4679-A68A-9BD21C01A301}"/>
               </a:ext>
               <a:ext uri="{C183D7F6-B498-43B3-948B-1728B52AA6E4}">
-                <adec:decorative xmlns:adec="http://schemas.microsoft.com/office/drawing/2017/decorative" val="1"/>
+                <adec:decorative xmlns:adec="http://schemas.microsoft.com/office/drawing/2017/decorative" xmlns="" val="1"/>
               </a:ext>
             </a:extLst>
           </p:cNvPr>
@@ -6712,7 +6713,7 @@
                 <a16:creationId xmlns:a16="http://schemas.microsoft.com/office/drawing/2014/main" id="{52FB45E9-914E-4471-AC87-E475CD51767D}"/>
               </a:ext>
               <a:ext uri="{C183D7F6-B498-43B3-948B-1728B52AA6E4}">
-                <adec:decorative xmlns:adec="http://schemas.microsoft.com/office/drawing/2017/decorative" val="1"/>
+                <adec:decorative xmlns:adec="http://schemas.microsoft.com/office/drawing/2017/decorative" xmlns="" val="1"/>
               </a:ext>
             </a:extLst>
           </p:cNvPr>
@@ -6792,7 +6793,7 @@
                 <a16:creationId xmlns:a16="http://schemas.microsoft.com/office/drawing/2014/main" id="{C310626D-5743-49D4-8F7D-88C4F8F05774}"/>
               </a:ext>
               <a:ext uri="{C183D7F6-B498-43B3-948B-1728B52AA6E4}">
-                <adec:decorative xmlns:adec="http://schemas.microsoft.com/office/drawing/2017/decorative" val="1"/>
+                <adec:decorative xmlns:adec="http://schemas.microsoft.com/office/drawing/2017/decorative" xmlns="" val="1"/>
               </a:ext>
             </a:extLst>
           </p:cNvPr>
@@ -6872,7 +6873,7 @@
                 <a16:creationId xmlns:a16="http://schemas.microsoft.com/office/drawing/2014/main" id="{3C195FC1-B568-4C72-9902-34CB35DDD7A1}"/>
               </a:ext>
               <a:ext uri="{C183D7F6-B498-43B3-948B-1728B52AA6E4}">
-                <adec:decorative xmlns:adec="http://schemas.microsoft.com/office/drawing/2017/decorative" val="1"/>
+                <adec:decorative xmlns:adec="http://schemas.microsoft.com/office/drawing/2017/decorative" xmlns="" val="1"/>
               </a:ext>
             </a:extLst>
           </p:cNvPr>
@@ -6930,7 +6931,7 @@
                 <a16:creationId xmlns:a16="http://schemas.microsoft.com/office/drawing/2014/main" id="{EF2BDF77-362C-43F0-8CBB-A969EC2AE0C4}"/>
               </a:ext>
               <a:ext uri="{C183D7F6-B498-43B3-948B-1728B52AA6E4}">
-                <adec:decorative xmlns:adec="http://schemas.microsoft.com/office/drawing/2017/decorative" val="1"/>
+                <adec:decorative xmlns:adec="http://schemas.microsoft.com/office/drawing/2017/decorative" xmlns="" val="1"/>
               </a:ext>
             </a:extLst>
           </p:cNvPr>
@@ -7011,7 +7012,7 @@
                 <a16:creationId xmlns:a16="http://schemas.microsoft.com/office/drawing/2014/main" id="{4BE96B01-3929-432D-B8C2-ADBCB74C2EF4}"/>
               </a:ext>
               <a:ext uri="{C183D7F6-B498-43B3-948B-1728B52AA6E4}">
-                <adec:decorative xmlns:adec="http://schemas.microsoft.com/office/drawing/2017/decorative" val="1"/>
+                <adec:decorative xmlns:adec="http://schemas.microsoft.com/office/drawing/2017/decorative" xmlns="" val="1"/>
               </a:ext>
             </a:extLst>
           </p:cNvPr>
@@ -7069,7 +7070,7 @@
                 <a16:creationId xmlns:a16="http://schemas.microsoft.com/office/drawing/2014/main" id="{2A6FCDE6-CDE2-4C51-B18E-A95CFB679714}"/>
               </a:ext>
               <a:ext uri="{C183D7F6-B498-43B3-948B-1728B52AA6E4}">
-                <adec:decorative xmlns:adec="http://schemas.microsoft.com/office/drawing/2017/decorative" val="1"/>
+                <adec:decorative xmlns:adec="http://schemas.microsoft.com/office/drawing/2017/decorative" xmlns="" val="1"/>
               </a:ext>
             </a:extLst>
           </p:cNvPr>
@@ -7199,7 +7200,7 @@
                 <a16:creationId xmlns:a16="http://schemas.microsoft.com/office/drawing/2014/main" id="{9D2E8756-2465-473A-BA2A-2DB1D6224745}"/>
               </a:ext>
               <a:ext uri="{C183D7F6-B498-43B3-948B-1728B52AA6E4}">
-                <adec:decorative xmlns:adec="http://schemas.microsoft.com/office/drawing/2017/decorative" val="1"/>
+                <adec:decorative xmlns:adec="http://schemas.microsoft.com/office/drawing/2017/decorative" xmlns="" val="1"/>
               </a:ext>
             </a:extLst>
           </p:cNvPr>
@@ -7703,18 +7704,25 @@
   <p:clrMapOvr>
     <a:overrideClrMapping bg1="dk1" tx1="lt1" bg2="dk2" tx2="lt2" accent1="accent1" accent2="accent2" accent3="accent3" accent4="accent4" accent5="accent5" accent6="accent6" hlink="hlink" folHlink="folHlink"/>
   </p:clrMapOvr>
-  <mc:AlternateContent xmlns:mc="http://schemas.openxmlformats.org/markup-compatibility/2006">
-    <mc:Choice xmlns:p14="http://schemas.microsoft.com/office/powerpoint/2010/main" Requires="p14">
+  <mc:AlternateContent xmlns:mc="http://schemas.openxmlformats.org/markup-compatibility/2006" xmlns:p14="http://schemas.microsoft.com/office/powerpoint/2010/main">
+    <mc:Choice Requires="p14">
       <p:transition spd="slow" p14:dur="1600">
         <p14:conveyor dir="l"/>
       </p:transition>
     </mc:Choice>
-    <mc:Fallback>
+    <mc:Fallback xmlns="">
       <p:transition spd="slow">
         <p:fade/>
       </p:transition>
     </mc:Fallback>
   </mc:AlternateContent>
+  <p:timing>
+    <p:tnLst>
+      <p:par>
+        <p:cTn id="1" dur="indefinite" restart="never" nodeType="tmRoot"/>
+      </p:par>
+    </p:tnLst>
+  </p:timing>
 </p:sld>
 </file>
 
@@ -8021,15 +8029,32 @@
           <a:p>
             <a:pPr algn="ctr"/>
             <a:r>
-              <a:rPr lang="en-US" dirty="0">
+              <a:rPr lang="en-US" dirty="0" smtClean="0">
                 <a:solidFill>
                   <a:schemeClr val="tx1"/>
                 </a:solidFill>
                 <a:latin typeface="Times New Roman" panose="02020603050405020304" pitchFamily="18" charset="0"/>
                 <a:cs typeface="Times New Roman" panose="02020603050405020304" pitchFamily="18" charset="0"/>
               </a:rPr>
-              <a:t>2/8</a:t>
-            </a:r>
+              <a:t>2/</a:t>
+            </a:r>
+            <a:r>
+              <a:rPr lang="ru-RU" dirty="0" smtClean="0">
+                <a:solidFill>
+                  <a:schemeClr val="tx1"/>
+                </a:solidFill>
+                <a:latin typeface="Times New Roman" panose="02020603050405020304" pitchFamily="18" charset="0"/>
+                <a:cs typeface="Times New Roman" panose="02020603050405020304" pitchFamily="18" charset="0"/>
+              </a:rPr>
+              <a:t>9</a:t>
+            </a:r>
+            <a:endParaRPr lang="en-US" dirty="0">
+              <a:solidFill>
+                <a:schemeClr val="tx1"/>
+              </a:solidFill>
+              <a:latin typeface="Times New Roman" panose="02020603050405020304" pitchFamily="18" charset="0"/>
+              <a:cs typeface="Times New Roman" panose="02020603050405020304" pitchFamily="18" charset="0"/>
+            </a:endParaRPr>
           </a:p>
         </p:txBody>
       </p:sp>
@@ -8043,13 +8068,13 @@
   <p:clrMapOvr>
     <a:masterClrMapping/>
   </p:clrMapOvr>
-  <mc:AlternateContent xmlns:mc="http://schemas.openxmlformats.org/markup-compatibility/2006">
-    <mc:Choice xmlns:p14="http://schemas.microsoft.com/office/powerpoint/2010/main" Requires="p14">
+  <mc:AlternateContent xmlns:mc="http://schemas.openxmlformats.org/markup-compatibility/2006" xmlns:p14="http://schemas.microsoft.com/office/powerpoint/2010/main">
+    <mc:Choice Requires="p14">
       <p:transition spd="slow" p14:dur="1600">
         <p14:conveyor dir="l"/>
       </p:transition>
     </mc:Choice>
-    <mc:Fallback>
+    <mc:Fallback xmlns="">
       <p:transition spd="slow">
         <p:fade/>
       </p:transition>
@@ -8308,6 +8333,15 @@
               </a:rPr>
               <a:t>Цели</a:t>
             </a:r>
+            <a:r>
+              <a:rPr lang="ru-RU" sz="3600" dirty="0">
+                <a:solidFill>
+                  <a:schemeClr val="tx2"/>
+                </a:solidFill>
+                <a:latin typeface="Exo 2" panose="020B0604020202020204" charset="-52"/>
+              </a:rPr>
+              <a:t/>
+            </a:r>
             <a:br>
               <a:rPr lang="ru-RU" sz="3600" dirty="0">
                 <a:solidFill>
@@ -8557,15 +8591,32 @@
           <a:p>
             <a:pPr algn="ctr"/>
             <a:r>
-              <a:rPr lang="en-US" dirty="0">
+              <a:rPr lang="en-US" dirty="0" smtClean="0">
                 <a:solidFill>
                   <a:schemeClr val="tx1"/>
                 </a:solidFill>
                 <a:latin typeface="Times New Roman" panose="02020603050405020304" pitchFamily="18" charset="0"/>
                 <a:cs typeface="Times New Roman" panose="02020603050405020304" pitchFamily="18" charset="0"/>
               </a:rPr>
-              <a:t>3/8</a:t>
-            </a:r>
+              <a:t>3/</a:t>
+            </a:r>
+            <a:r>
+              <a:rPr lang="ru-RU" dirty="0" smtClean="0">
+                <a:solidFill>
+                  <a:schemeClr val="tx1"/>
+                </a:solidFill>
+                <a:latin typeface="Times New Roman" panose="02020603050405020304" pitchFamily="18" charset="0"/>
+                <a:cs typeface="Times New Roman" panose="02020603050405020304" pitchFamily="18" charset="0"/>
+              </a:rPr>
+              <a:t>9</a:t>
+            </a:r>
+            <a:endParaRPr lang="en-US" dirty="0">
+              <a:solidFill>
+                <a:schemeClr val="tx1"/>
+              </a:solidFill>
+              <a:latin typeface="Times New Roman" panose="02020603050405020304" pitchFamily="18" charset="0"/>
+              <a:cs typeface="Times New Roman" panose="02020603050405020304" pitchFamily="18" charset="0"/>
+            </a:endParaRPr>
           </a:p>
         </p:txBody>
       </p:sp>
@@ -8579,13 +8630,13 @@
   <p:clrMapOvr>
     <a:masterClrMapping/>
   </p:clrMapOvr>
-  <mc:AlternateContent xmlns:mc="http://schemas.openxmlformats.org/markup-compatibility/2006">
-    <mc:Choice xmlns:p14="http://schemas.microsoft.com/office/powerpoint/2010/main" Requires="p14">
+  <mc:AlternateContent xmlns:mc="http://schemas.openxmlformats.org/markup-compatibility/2006" xmlns:p14="http://schemas.microsoft.com/office/powerpoint/2010/main">
+    <mc:Choice Requires="p14">
       <p:transition spd="slow" p14:dur="1600">
         <p14:conveyor dir="l"/>
       </p:transition>
     </mc:Choice>
-    <mc:Fallback>
+    <mc:Fallback xmlns="">
       <p:transition spd="slow">
         <p:fade/>
       </p:transition>
@@ -9121,15 +9172,32 @@
               <a:t>4</a:t>
             </a:r>
             <a:r>
-              <a:rPr lang="en-US" dirty="0">
+              <a:rPr lang="en-US" dirty="0" smtClean="0">
                 <a:solidFill>
                   <a:schemeClr val="tx1"/>
                 </a:solidFill>
                 <a:latin typeface="Times New Roman" panose="02020603050405020304" pitchFamily="18" charset="0"/>
                 <a:cs typeface="Times New Roman" panose="02020603050405020304" pitchFamily="18" charset="0"/>
               </a:rPr>
-              <a:t>/8</a:t>
-            </a:r>
+              <a:t>/</a:t>
+            </a:r>
+            <a:r>
+              <a:rPr lang="ru-RU" dirty="0" smtClean="0">
+                <a:solidFill>
+                  <a:schemeClr val="tx1"/>
+                </a:solidFill>
+                <a:latin typeface="Times New Roman" panose="02020603050405020304" pitchFamily="18" charset="0"/>
+                <a:cs typeface="Times New Roman" panose="02020603050405020304" pitchFamily="18" charset="0"/>
+              </a:rPr>
+              <a:t>9</a:t>
+            </a:r>
+            <a:endParaRPr lang="en-US" dirty="0">
+              <a:solidFill>
+                <a:schemeClr val="tx1"/>
+              </a:solidFill>
+              <a:latin typeface="Times New Roman" panose="02020603050405020304" pitchFamily="18" charset="0"/>
+              <a:cs typeface="Times New Roman" panose="02020603050405020304" pitchFamily="18" charset="0"/>
+            </a:endParaRPr>
           </a:p>
         </p:txBody>
       </p:sp>
@@ -9143,13 +9211,13 @@
   <p:clrMapOvr>
     <a:masterClrMapping/>
   </p:clrMapOvr>
-  <mc:AlternateContent xmlns:mc="http://schemas.openxmlformats.org/markup-compatibility/2006">
-    <mc:Choice xmlns:p14="http://schemas.microsoft.com/office/powerpoint/2010/main" Requires="p14">
+  <mc:AlternateContent xmlns:mc="http://schemas.openxmlformats.org/markup-compatibility/2006" xmlns:p14="http://schemas.microsoft.com/office/powerpoint/2010/main">
+    <mc:Choice Requires="p14">
       <p:transition spd="slow" p14:dur="1600">
         <p14:conveyor dir="l"/>
       </p:transition>
     </mc:Choice>
-    <mc:Fallback>
+    <mc:Fallback xmlns="">
       <p:transition spd="slow">
         <p:fade/>
       </p:transition>
@@ -9591,15 +9659,32 @@
           <a:p>
             <a:pPr algn="ctr"/>
             <a:r>
-              <a:rPr lang="en-US" dirty="0">
+              <a:rPr lang="en-US" dirty="0" smtClean="0">
                 <a:solidFill>
                   <a:schemeClr val="tx1"/>
                 </a:solidFill>
                 <a:latin typeface="Times New Roman" panose="02020603050405020304" pitchFamily="18" charset="0"/>
                 <a:cs typeface="Times New Roman" panose="02020603050405020304" pitchFamily="18" charset="0"/>
               </a:rPr>
-              <a:t>5/8</a:t>
-            </a:r>
+              <a:t>5/</a:t>
+            </a:r>
+            <a:r>
+              <a:rPr lang="ru-RU" dirty="0" smtClean="0">
+                <a:solidFill>
+                  <a:schemeClr val="tx1"/>
+                </a:solidFill>
+                <a:latin typeface="Times New Roman" panose="02020603050405020304" pitchFamily="18" charset="0"/>
+                <a:cs typeface="Times New Roman" panose="02020603050405020304" pitchFamily="18" charset="0"/>
+              </a:rPr>
+              <a:t>9</a:t>
+            </a:r>
+            <a:endParaRPr lang="en-US" dirty="0">
+              <a:solidFill>
+                <a:schemeClr val="tx1"/>
+              </a:solidFill>
+              <a:latin typeface="Times New Roman" panose="02020603050405020304" pitchFamily="18" charset="0"/>
+              <a:cs typeface="Times New Roman" panose="02020603050405020304" pitchFamily="18" charset="0"/>
+            </a:endParaRPr>
           </a:p>
         </p:txBody>
       </p:sp>
@@ -9613,13 +9698,13 @@
   <p:clrMapOvr>
     <a:masterClrMapping/>
   </p:clrMapOvr>
-  <mc:AlternateContent xmlns:mc="http://schemas.openxmlformats.org/markup-compatibility/2006">
-    <mc:Choice xmlns:p14="http://schemas.microsoft.com/office/powerpoint/2010/main" Requires="p14">
+  <mc:AlternateContent xmlns:mc="http://schemas.openxmlformats.org/markup-compatibility/2006" xmlns:p14="http://schemas.microsoft.com/office/powerpoint/2010/main">
+    <mc:Choice Requires="p14">
       <p:transition spd="slow" p14:dur="1600">
         <p14:conveyor dir="l"/>
       </p:transition>
     </mc:Choice>
-    <mc:Fallback>
+    <mc:Fallback xmlns="">
       <p:transition spd="slow">
         <p:fade/>
       </p:transition>
@@ -10022,6 +10107,348 @@
           <a:chExt cx="0" cy="0"/>
         </a:xfrm>
       </p:grpSpPr>
+      <p:sp>
+        <p:nvSpPr>
+          <p:cNvPr id="2" name="Заголовок 1"/>
+          <p:cNvSpPr>
+            <a:spLocks noGrp="1"/>
+          </p:cNvSpPr>
+          <p:nvPr>
+            <p:ph type="title"/>
+          </p:nvPr>
+        </p:nvSpPr>
+        <p:spPr>
+          <a:xfrm>
+            <a:off x="0" y="0"/>
+            <a:ext cx="8470669" cy="1320800"/>
+          </a:xfrm>
+        </p:spPr>
+        <p:txBody>
+          <a:bodyPr/>
+          <a:lstStyle/>
+          <a:p>
+            <a:r>
+              <a:rPr lang="ru-RU" b="1" dirty="0" smtClean="0">
+                <a:solidFill>
+                  <a:schemeClr val="tx1"/>
+                </a:solidFill>
+                <a:latin typeface="Times New Roman" panose="02020603050405020304" pitchFamily="18" charset="0"/>
+                <a:cs typeface="Times New Roman" panose="02020603050405020304" pitchFamily="18" charset="0"/>
+              </a:rPr>
+              <a:t>Диаграмма для</a:t>
+            </a:r>
+            <a:r>
+              <a:rPr lang="en-US" b="1" dirty="0" smtClean="0">
+                <a:solidFill>
+                  <a:schemeClr val="tx1"/>
+                </a:solidFill>
+                <a:latin typeface="Times New Roman" panose="02020603050405020304" pitchFamily="18" charset="0"/>
+                <a:cs typeface="Times New Roman" panose="02020603050405020304" pitchFamily="18" charset="0"/>
+              </a:rPr>
+              <a:t> </a:t>
+            </a:r>
+            <a:r>
+              <a:rPr lang="ru-RU" b="1" dirty="0" smtClean="0">
+                <a:solidFill>
+                  <a:schemeClr val="tx1"/>
+                </a:solidFill>
+                <a:latin typeface="Times New Roman" panose="02020603050405020304" pitchFamily="18" charset="0"/>
+                <a:cs typeface="Times New Roman" panose="02020603050405020304" pitchFamily="18" charset="0"/>
+              </a:rPr>
+              <a:t>представления работы системы</a:t>
+            </a:r>
+            <a:endParaRPr lang="ru-RU" b="1" dirty="0">
+              <a:solidFill>
+                <a:schemeClr val="tx1"/>
+              </a:solidFill>
+              <a:latin typeface="Times New Roman" panose="02020603050405020304" pitchFamily="18" charset="0"/>
+              <a:cs typeface="Times New Roman" panose="02020603050405020304" pitchFamily="18" charset="0"/>
+            </a:endParaRPr>
+          </a:p>
+        </p:txBody>
+      </p:sp>
+      <p:pic>
+        <p:nvPicPr>
+          <p:cNvPr id="7" name="Рисунок 6"/>
+          <p:cNvPicPr>
+            <a:picLocks noChangeAspect="1"/>
+          </p:cNvPicPr>
+          <p:nvPr/>
+        </p:nvPicPr>
+        <p:blipFill>
+          <a:blip r:embed="rId2"/>
+          <a:stretch>
+            <a:fillRect/>
+          </a:stretch>
+        </p:blipFill>
+        <p:spPr>
+          <a:xfrm>
+            <a:off x="231978" y="1432658"/>
+            <a:ext cx="9286028" cy="3796047"/>
+          </a:xfrm>
+          <a:prstGeom prst="rect">
+            <a:avLst/>
+          </a:prstGeom>
+        </p:spPr>
+      </p:pic>
+      <p:sp>
+        <p:nvSpPr>
+          <p:cNvPr id="8" name="Прямоугольник: скругленные противолежащие углы 11">
+            <a:extLst>
+              <a:ext uri="{FF2B5EF4-FFF2-40B4-BE49-F238E27FC236}">
+                <a16:creationId xmlns:a16="http://schemas.microsoft.com/office/drawing/2014/main" id="{C08C382A-78EC-B5A0-FF6D-4C6F8214A600}"/>
+              </a:ext>
+            </a:extLst>
+          </p:cNvPr>
+          <p:cNvSpPr/>
+          <p:nvPr/>
+        </p:nvSpPr>
+        <p:spPr>
+          <a:xfrm>
+            <a:off x="5198075" y="6622021"/>
+            <a:ext cx="897925" cy="235979"/>
+          </a:xfrm>
+          <a:prstGeom prst="round2DiagRect">
+            <a:avLst/>
+          </a:prstGeom>
+          <a:ln>
+            <a:solidFill>
+              <a:schemeClr val="tx1"/>
+            </a:solidFill>
+          </a:ln>
+        </p:spPr>
+        <p:style>
+          <a:lnRef idx="2">
+            <a:schemeClr val="accent1">
+              <a:shade val="15000"/>
+            </a:schemeClr>
+          </a:lnRef>
+          <a:fillRef idx="1">
+            <a:schemeClr val="accent1"/>
+          </a:fillRef>
+          <a:effectRef idx="0">
+            <a:schemeClr val="accent1"/>
+          </a:effectRef>
+          <a:fontRef idx="minor">
+            <a:schemeClr val="lt1"/>
+          </a:fontRef>
+        </p:style>
+        <p:txBody>
+          <a:bodyPr rtlCol="0" anchor="ctr"/>
+          <a:lstStyle/>
+          <a:p>
+            <a:pPr algn="ctr"/>
+            <a:r>
+              <a:rPr lang="ru-RU" dirty="0">
+                <a:solidFill>
+                  <a:schemeClr val="tx1"/>
+                </a:solidFill>
+                <a:latin typeface="Times New Roman" panose="02020603050405020304" pitchFamily="18" charset="0"/>
+                <a:cs typeface="Times New Roman" panose="02020603050405020304" pitchFamily="18" charset="0"/>
+              </a:rPr>
+              <a:t>6</a:t>
+            </a:r>
+            <a:r>
+              <a:rPr lang="en-US" dirty="0" smtClean="0">
+                <a:solidFill>
+                  <a:schemeClr val="tx1"/>
+                </a:solidFill>
+                <a:latin typeface="Times New Roman" panose="02020603050405020304" pitchFamily="18" charset="0"/>
+                <a:cs typeface="Times New Roman" panose="02020603050405020304" pitchFamily="18" charset="0"/>
+              </a:rPr>
+              <a:t>/</a:t>
+            </a:r>
+            <a:r>
+              <a:rPr lang="ru-RU" dirty="0" smtClean="0">
+                <a:solidFill>
+                  <a:schemeClr val="tx1"/>
+                </a:solidFill>
+                <a:latin typeface="Times New Roman" panose="02020603050405020304" pitchFamily="18" charset="0"/>
+                <a:cs typeface="Times New Roman" panose="02020603050405020304" pitchFamily="18" charset="0"/>
+              </a:rPr>
+              <a:t>9</a:t>
+            </a:r>
+            <a:endParaRPr lang="en-US" dirty="0">
+              <a:solidFill>
+                <a:schemeClr val="tx1"/>
+              </a:solidFill>
+              <a:latin typeface="Times New Roman" panose="02020603050405020304" pitchFamily="18" charset="0"/>
+              <a:cs typeface="Times New Roman" panose="02020603050405020304" pitchFamily="18" charset="0"/>
+            </a:endParaRPr>
+          </a:p>
+        </p:txBody>
+      </p:sp>
+    </p:spTree>
+    <p:extLst>
+      <p:ext uri="{BB962C8B-B14F-4D97-AF65-F5344CB8AC3E}">
+        <p14:creationId xmlns:p14="http://schemas.microsoft.com/office/powerpoint/2010/main" val="3850107554"/>
+      </p:ext>
+    </p:extLst>
+  </p:cSld>
+  <p:clrMapOvr>
+    <a:masterClrMapping/>
+  </p:clrMapOvr>
+  <mc:AlternateContent xmlns:mc="http://schemas.openxmlformats.org/markup-compatibility/2006">
+    <mc:Choice xmlns:p14="http://schemas.microsoft.com/office/powerpoint/2010/main" Requires="p14">
+      <p:transition spd="slow" p14:dur="1600">
+        <p14:conveyor dir="l"/>
+      </p:transition>
+    </mc:Choice>
+    <mc:Fallback>
+      <p:transition spd="slow">
+        <p:fade/>
+      </p:transition>
+    </mc:Fallback>
+  </mc:AlternateContent>
+  <p:timing>
+    <p:tnLst>
+      <p:par>
+        <p:cTn id="1" dur="indefinite" restart="never" nodeType="tmRoot">
+          <p:childTnLst>
+            <p:seq concurrent="1" nextAc="seek">
+              <p:cTn id="2" dur="indefinite" nodeType="mainSeq">
+                <p:childTnLst>
+                  <p:par>
+                    <p:cTn id="3" fill="hold">
+                      <p:stCondLst>
+                        <p:cond delay="indefinite"/>
+                        <p:cond evt="onBegin" delay="0">
+                          <p:tn val="2"/>
+                        </p:cond>
+                      </p:stCondLst>
+                      <p:childTnLst>
+                        <p:par>
+                          <p:cTn id="4" fill="hold">
+                            <p:stCondLst>
+                              <p:cond delay="0"/>
+                            </p:stCondLst>
+                            <p:childTnLst>
+                              <p:par>
+                                <p:cTn id="5" presetID="22" presetClass="entr" presetSubtype="4" fill="hold" nodeType="withEffect">
+                                  <p:stCondLst>
+                                    <p:cond delay="0"/>
+                                  </p:stCondLst>
+                                  <p:childTnLst>
+                                    <p:set>
+                                      <p:cBhvr>
+                                        <p:cTn id="6" dur="1" fill="hold">
+                                          <p:stCondLst>
+                                            <p:cond delay="0"/>
+                                          </p:stCondLst>
+                                        </p:cTn>
+                                        <p:tgtEl>
+                                          <p:spTgt spid="8">
+                                            <p:txEl>
+                                              <p:pRg st="0" end="0"/>
+                                            </p:txEl>
+                                          </p:spTgt>
+                                        </p:tgtEl>
+                                        <p:attrNameLst>
+                                          <p:attrName>style.visibility</p:attrName>
+                                        </p:attrNameLst>
+                                      </p:cBhvr>
+                                      <p:to>
+                                        <p:strVal val="visible"/>
+                                      </p:to>
+                                    </p:set>
+                                    <p:animEffect transition="in" filter="wipe(down)">
+                                      <p:cBhvr>
+                                        <p:cTn id="7" dur="500"/>
+                                        <p:tgtEl>
+                                          <p:spTgt spid="8">
+                                            <p:txEl>
+                                              <p:pRg st="0" end="0"/>
+                                            </p:txEl>
+                                          </p:spTgt>
+                                        </p:tgtEl>
+                                      </p:cBhvr>
+                                    </p:animEffect>
+                                  </p:childTnLst>
+                                </p:cTn>
+                              </p:par>
+                              <p:par>
+                                <p:cTn id="8" presetID="13" presetClass="entr" presetSubtype="16" fill="hold" nodeType="withEffect">
+                                  <p:stCondLst>
+                                    <p:cond delay="0"/>
+                                  </p:stCondLst>
+                                  <p:childTnLst>
+                                    <p:set>
+                                      <p:cBhvr>
+                                        <p:cTn id="9" dur="1" fill="hold">
+                                          <p:stCondLst>
+                                            <p:cond delay="0"/>
+                                          </p:stCondLst>
+                                        </p:cTn>
+                                        <p:tgtEl>
+                                          <p:spTgt spid="7"/>
+                                        </p:tgtEl>
+                                        <p:attrNameLst>
+                                          <p:attrName>style.visibility</p:attrName>
+                                        </p:attrNameLst>
+                                      </p:cBhvr>
+                                      <p:to>
+                                        <p:strVal val="visible"/>
+                                      </p:to>
+                                    </p:set>
+                                    <p:animEffect transition="in" filter="plus(in)">
+                                      <p:cBhvr>
+                                        <p:cTn id="10" dur="2000"/>
+                                        <p:tgtEl>
+                                          <p:spTgt spid="7"/>
+                                        </p:tgtEl>
+                                      </p:cBhvr>
+                                    </p:animEffect>
+                                  </p:childTnLst>
+                                </p:cTn>
+                              </p:par>
+                            </p:childTnLst>
+                          </p:cTn>
+                        </p:par>
+                      </p:childTnLst>
+                    </p:cTn>
+                  </p:par>
+                </p:childTnLst>
+              </p:cTn>
+              <p:prevCondLst>
+                <p:cond evt="onPrev" delay="0">
+                  <p:tgtEl>
+                    <p:sldTgt/>
+                  </p:tgtEl>
+                </p:cond>
+              </p:prevCondLst>
+              <p:nextCondLst>
+                <p:cond evt="onNext" delay="0">
+                  <p:tgtEl>
+                    <p:sldTgt/>
+                  </p:tgtEl>
+                </p:cond>
+              </p:nextCondLst>
+            </p:seq>
+          </p:childTnLst>
+        </p:cTn>
+      </p:par>
+    </p:tnLst>
+  </p:timing>
+</p:sld>
+</file>
+
+<file path=ppt/slides/slide7.xml><?xml version="1.0" encoding="utf-8"?>
+<p:sld xmlns:a="http://schemas.openxmlformats.org/drawingml/2006/main" xmlns:r="http://schemas.openxmlformats.org/officeDocument/2006/relationships" xmlns:p="http://schemas.openxmlformats.org/presentationml/2006/main">
+  <p:cSld>
+    <p:spTree>
+      <p:nvGrpSpPr>
+        <p:cNvPr id="1" name=""/>
+        <p:cNvGrpSpPr/>
+        <p:nvPr/>
+      </p:nvGrpSpPr>
+      <p:grpSpPr>
+        <a:xfrm>
+          <a:off x="0" y="0"/>
+          <a:ext cx="0" cy="0"/>
+          <a:chOff x="0" y="0"/>
+          <a:chExt cx="0" cy="0"/>
+        </a:xfrm>
+      </p:grpSpPr>
       <p:pic>
         <p:nvPicPr>
           <p:cNvPr id="9" name="Рисунок 8">
@@ -10449,15 +10876,42 @@
           <a:p>
             <a:pPr algn="ctr"/>
             <a:r>
-              <a:rPr lang="en-US" dirty="0">
+              <a:rPr lang="ru-RU" dirty="0">
                 <a:solidFill>
                   <a:schemeClr val="tx1"/>
                 </a:solidFill>
                 <a:latin typeface="Times New Roman" panose="02020603050405020304" pitchFamily="18" charset="0"/>
                 <a:cs typeface="Times New Roman" panose="02020603050405020304" pitchFamily="18" charset="0"/>
               </a:rPr>
-              <a:t>6/8</a:t>
-            </a:r>
+              <a:t>7</a:t>
+            </a:r>
+            <a:r>
+              <a:rPr lang="en-US" dirty="0" smtClean="0">
+                <a:solidFill>
+                  <a:schemeClr val="tx1"/>
+                </a:solidFill>
+                <a:latin typeface="Times New Roman" panose="02020603050405020304" pitchFamily="18" charset="0"/>
+                <a:cs typeface="Times New Roman" panose="02020603050405020304" pitchFamily="18" charset="0"/>
+              </a:rPr>
+              <a:t>/</a:t>
+            </a:r>
+            <a:r>
+              <a:rPr lang="ru-RU" dirty="0" smtClean="0">
+                <a:solidFill>
+                  <a:schemeClr val="tx1"/>
+                </a:solidFill>
+                <a:latin typeface="Times New Roman" panose="02020603050405020304" pitchFamily="18" charset="0"/>
+                <a:cs typeface="Times New Roman" panose="02020603050405020304" pitchFamily="18" charset="0"/>
+              </a:rPr>
+              <a:t>9</a:t>
+            </a:r>
+            <a:endParaRPr lang="en-US" dirty="0">
+              <a:solidFill>
+                <a:schemeClr val="tx1"/>
+              </a:solidFill>
+              <a:latin typeface="Times New Roman" panose="02020603050405020304" pitchFamily="18" charset="0"/>
+              <a:cs typeface="Times New Roman" panose="02020603050405020304" pitchFamily="18" charset="0"/>
+            </a:endParaRPr>
           </a:p>
         </p:txBody>
       </p:sp>
@@ -10471,13 +10925,13 @@
   <p:clrMapOvr>
     <a:masterClrMapping/>
   </p:clrMapOvr>
-  <mc:AlternateContent xmlns:mc="http://schemas.openxmlformats.org/markup-compatibility/2006">
-    <mc:Choice xmlns:p14="http://schemas.microsoft.com/office/powerpoint/2010/main" Requires="p14">
+  <mc:AlternateContent xmlns:mc="http://schemas.openxmlformats.org/markup-compatibility/2006" xmlns:p14="http://schemas.microsoft.com/office/powerpoint/2010/main">
+    <mc:Choice Requires="p14">
       <p:transition spd="slow" p14:dur="1600">
         <p14:conveyor dir="l"/>
       </p:transition>
     </mc:Choice>
-    <mc:Fallback>
+    <mc:Fallback xmlns="">
       <p:transition spd="slow">
         <p:fade/>
       </p:transition>
@@ -10931,7 +11385,7 @@
 </p:sld>
 </file>
 
-<file path=ppt/slides/slide7.xml><?xml version="1.0" encoding="utf-8"?>
+<file path=ppt/slides/slide8.xml><?xml version="1.0" encoding="utf-8"?>
 <p:sld xmlns:a="http://schemas.openxmlformats.org/drawingml/2006/main" xmlns:r="http://schemas.openxmlformats.org/officeDocument/2006/relationships" xmlns:p="http://schemas.openxmlformats.org/presentationml/2006/main">
   <p:cSld>
     <p:spTree>
@@ -11155,15 +11609,42 @@
           <a:p>
             <a:pPr algn="ctr"/>
             <a:r>
-              <a:rPr lang="en-US" dirty="0">
+              <a:rPr lang="ru-RU" dirty="0">
                 <a:solidFill>
                   <a:schemeClr val="tx1"/>
                 </a:solidFill>
                 <a:latin typeface="Times New Roman" panose="02020603050405020304" pitchFamily="18" charset="0"/>
                 <a:cs typeface="Times New Roman" panose="02020603050405020304" pitchFamily="18" charset="0"/>
               </a:rPr>
-              <a:t>7/8</a:t>
-            </a:r>
+              <a:t>8</a:t>
+            </a:r>
+            <a:r>
+              <a:rPr lang="en-US" dirty="0" smtClean="0">
+                <a:solidFill>
+                  <a:schemeClr val="tx1"/>
+                </a:solidFill>
+                <a:latin typeface="Times New Roman" panose="02020603050405020304" pitchFamily="18" charset="0"/>
+                <a:cs typeface="Times New Roman" panose="02020603050405020304" pitchFamily="18" charset="0"/>
+              </a:rPr>
+              <a:t>/</a:t>
+            </a:r>
+            <a:r>
+              <a:rPr lang="ru-RU" dirty="0" smtClean="0">
+                <a:solidFill>
+                  <a:schemeClr val="tx1"/>
+                </a:solidFill>
+                <a:latin typeface="Times New Roman" panose="02020603050405020304" pitchFamily="18" charset="0"/>
+                <a:cs typeface="Times New Roman" panose="02020603050405020304" pitchFamily="18" charset="0"/>
+              </a:rPr>
+              <a:t>9</a:t>
+            </a:r>
+            <a:endParaRPr lang="en-US" dirty="0">
+              <a:solidFill>
+                <a:schemeClr val="tx1"/>
+              </a:solidFill>
+              <a:latin typeface="Times New Roman" panose="02020603050405020304" pitchFamily="18" charset="0"/>
+              <a:cs typeface="Times New Roman" panose="02020603050405020304" pitchFamily="18" charset="0"/>
+            </a:endParaRPr>
           </a:p>
         </p:txBody>
       </p:sp>
@@ -11177,13 +11658,13 @@
   <p:clrMapOvr>
     <a:masterClrMapping/>
   </p:clrMapOvr>
-  <mc:AlternateContent xmlns:mc="http://schemas.openxmlformats.org/markup-compatibility/2006">
-    <mc:Choice xmlns:p14="http://schemas.microsoft.com/office/powerpoint/2010/main" Requires="p14">
+  <mc:AlternateContent xmlns:mc="http://schemas.openxmlformats.org/markup-compatibility/2006" xmlns:p14="http://schemas.microsoft.com/office/powerpoint/2010/main">
+    <mc:Choice Requires="p14">
       <p:transition spd="slow" p14:dur="1600">
         <p14:conveyor dir="l"/>
       </p:transition>
     </mc:Choice>
-    <mc:Fallback>
+    <mc:Fallback xmlns="">
       <p:transition spd="slow">
         <p:fade/>
       </p:transition>
@@ -11389,7 +11870,7 @@
 </p:sld>
 </file>
 
-<file path=ppt/slides/slide8.xml><?xml version="1.0" encoding="utf-8"?>
+<file path=ppt/slides/slide9.xml><?xml version="1.0" encoding="utf-8"?>
 <p:sld xmlns:a="http://schemas.openxmlformats.org/drawingml/2006/main" xmlns:r="http://schemas.openxmlformats.org/officeDocument/2006/relationships" xmlns:p="http://schemas.openxmlformats.org/presentationml/2006/main">
   <p:cSld>
     <p:bg>
@@ -11422,7 +11903,7 @@
                 <a16:creationId xmlns:a16="http://schemas.microsoft.com/office/drawing/2014/main" id="{9179DE42-5613-4B35-A1E6-6CCBAA13C743}"/>
               </a:ext>
               <a:ext uri="{C183D7F6-B498-43B3-948B-1728B52AA6E4}">
-                <adec:decorative xmlns:adec="http://schemas.microsoft.com/office/drawing/2017/decorative" val="1"/>
+                <adec:decorative xmlns:adec="http://schemas.microsoft.com/office/drawing/2017/decorative" xmlns="" val="1"/>
               </a:ext>
             </a:extLst>
           </p:cNvPr>
@@ -11482,7 +11963,7 @@
                 <a16:creationId xmlns:a16="http://schemas.microsoft.com/office/drawing/2014/main" id="{EB898B32-3891-4C3A-8F58-C5969D2E9033}"/>
               </a:ext>
               <a:ext uri="{C183D7F6-B498-43B3-948B-1728B52AA6E4}">
-                <adec:decorative xmlns:adec="http://schemas.microsoft.com/office/drawing/2017/decorative" val="1"/>
+                <adec:decorative xmlns:adec="http://schemas.microsoft.com/office/drawing/2017/decorative" xmlns="" val="1"/>
               </a:ext>
             </a:extLst>
           </p:cNvPr>
@@ -11536,7 +12017,7 @@
                 <a16:creationId xmlns:a16="http://schemas.microsoft.com/office/drawing/2014/main" id="{4AE4806D-B8F9-4679-A68A-9BD21C01A301}"/>
               </a:ext>
               <a:ext uri="{C183D7F6-B498-43B3-948B-1728B52AA6E4}">
-                <adec:decorative xmlns:adec="http://schemas.microsoft.com/office/drawing/2017/decorative" val="1"/>
+                <adec:decorative xmlns:adec="http://schemas.microsoft.com/office/drawing/2017/decorative" xmlns="" val="1"/>
               </a:ext>
             </a:extLst>
           </p:cNvPr>
@@ -11592,7 +12073,7 @@
                 <a16:creationId xmlns:a16="http://schemas.microsoft.com/office/drawing/2014/main" id="{52FB45E9-914E-4471-AC87-E475CD51767D}"/>
               </a:ext>
               <a:ext uri="{C183D7F6-B498-43B3-948B-1728B52AA6E4}">
-                <adec:decorative xmlns:adec="http://schemas.microsoft.com/office/drawing/2017/decorative" val="1"/>
+                <adec:decorative xmlns:adec="http://schemas.microsoft.com/office/drawing/2017/decorative" xmlns="" val="1"/>
               </a:ext>
             </a:extLst>
           </p:cNvPr>
@@ -11672,7 +12153,7 @@
                 <a16:creationId xmlns:a16="http://schemas.microsoft.com/office/drawing/2014/main" id="{C310626D-5743-49D4-8F7D-88C4F8F05774}"/>
               </a:ext>
               <a:ext uri="{C183D7F6-B498-43B3-948B-1728B52AA6E4}">
-                <adec:decorative xmlns:adec="http://schemas.microsoft.com/office/drawing/2017/decorative" val="1"/>
+                <adec:decorative xmlns:adec="http://schemas.microsoft.com/office/drawing/2017/decorative" xmlns="" val="1"/>
               </a:ext>
             </a:extLst>
           </p:cNvPr>
@@ -11752,7 +12233,7 @@
                 <a16:creationId xmlns:a16="http://schemas.microsoft.com/office/drawing/2014/main" id="{3C195FC1-B568-4C72-9902-34CB35DDD7A1}"/>
               </a:ext>
               <a:ext uri="{C183D7F6-B498-43B3-948B-1728B52AA6E4}">
-                <adec:decorative xmlns:adec="http://schemas.microsoft.com/office/drawing/2017/decorative" val="1"/>
+                <adec:decorative xmlns:adec="http://schemas.microsoft.com/office/drawing/2017/decorative" xmlns="" val="1"/>
               </a:ext>
             </a:extLst>
           </p:cNvPr>
@@ -11810,7 +12291,7 @@
                 <a16:creationId xmlns:a16="http://schemas.microsoft.com/office/drawing/2014/main" id="{EF2BDF77-362C-43F0-8CBB-A969EC2AE0C4}"/>
               </a:ext>
               <a:ext uri="{C183D7F6-B498-43B3-948B-1728B52AA6E4}">
-                <adec:decorative xmlns:adec="http://schemas.microsoft.com/office/drawing/2017/decorative" val="1"/>
+                <adec:decorative xmlns:adec="http://schemas.microsoft.com/office/drawing/2017/decorative" xmlns="" val="1"/>
               </a:ext>
             </a:extLst>
           </p:cNvPr>
@@ -11891,7 +12372,7 @@
                 <a16:creationId xmlns:a16="http://schemas.microsoft.com/office/drawing/2014/main" id="{4BE96B01-3929-432D-B8C2-ADBCB74C2EF4}"/>
               </a:ext>
               <a:ext uri="{C183D7F6-B498-43B3-948B-1728B52AA6E4}">
-                <adec:decorative xmlns:adec="http://schemas.microsoft.com/office/drawing/2017/decorative" val="1"/>
+                <adec:decorative xmlns:adec="http://schemas.microsoft.com/office/drawing/2017/decorative" xmlns="" val="1"/>
               </a:ext>
             </a:extLst>
           </p:cNvPr>
@@ -11949,7 +12430,7 @@
                 <a16:creationId xmlns:a16="http://schemas.microsoft.com/office/drawing/2014/main" id="{2A6FCDE6-CDE2-4C51-B18E-A95CFB679714}"/>
               </a:ext>
               <a:ext uri="{C183D7F6-B498-43B3-948B-1728B52AA6E4}">
-                <adec:decorative xmlns:adec="http://schemas.microsoft.com/office/drawing/2017/decorative" val="1"/>
+                <adec:decorative xmlns:adec="http://schemas.microsoft.com/office/drawing/2017/decorative" xmlns="" val="1"/>
               </a:ext>
             </a:extLst>
           </p:cNvPr>
@@ -12079,7 +12560,7 @@
                 <a16:creationId xmlns:a16="http://schemas.microsoft.com/office/drawing/2014/main" id="{9D2E8756-2465-473A-BA2A-2DB1D6224745}"/>
               </a:ext>
               <a:ext uri="{C183D7F6-B498-43B3-948B-1728B52AA6E4}">
-                <adec:decorative xmlns:adec="http://schemas.microsoft.com/office/drawing/2017/decorative" val="1"/>
+                <adec:decorative xmlns:adec="http://schemas.microsoft.com/office/drawing/2017/decorative" xmlns="" val="1"/>
               </a:ext>
             </a:extLst>
           </p:cNvPr>
@@ -12583,18 +13064,25 @@
   <p:clrMapOvr>
     <a:overrideClrMapping bg1="dk1" tx1="lt1" bg2="dk2" tx2="lt2" accent1="accent1" accent2="accent2" accent3="accent3" accent4="accent4" accent5="accent5" accent6="accent6" hlink="hlink" folHlink="folHlink"/>
   </p:clrMapOvr>
-  <mc:AlternateContent xmlns:mc="http://schemas.openxmlformats.org/markup-compatibility/2006">
-    <mc:Choice xmlns:p14="http://schemas.microsoft.com/office/powerpoint/2010/main" Requires="p14">
+  <mc:AlternateContent xmlns:mc="http://schemas.openxmlformats.org/markup-compatibility/2006" xmlns:p14="http://schemas.microsoft.com/office/powerpoint/2010/main">
+    <mc:Choice Requires="p14">
       <p:transition spd="slow" p14:dur="1600">
         <p14:conveyor dir="l"/>
       </p:transition>
     </mc:Choice>
-    <mc:Fallback>
+    <mc:Fallback xmlns="">
       <p:transition spd="slow">
         <p:fade/>
       </p:transition>
     </mc:Fallback>
   </mc:AlternateContent>
+  <p:timing>
+    <p:tnLst>
+      <p:par>
+        <p:cTn id="1" dur="indefinite" restart="never" nodeType="tmRoot"/>
+      </p:par>
+    </p:tnLst>
+  </p:timing>
 </p:sld>
 </file>
 
@@ -13421,6 +13909,14 @@
 </file>
 
 <file path=customXml/item2.xml><?xml version="1.0" encoding="utf-8"?>
+<p:properties xmlns:p="http://schemas.microsoft.com/office/2006/metadata/properties" xmlns:xsi="http://www.w3.org/2001/XMLSchema-instance" xmlns:pc="http://schemas.microsoft.com/office/infopath/2007/PartnerControls">
+  <documentManagement>
+    <MediaServiceKeyPoints xmlns="71af3243-3dd4-4a8d-8c0d-dd76da1f02a5" xsi:nil="true"/>
+  </documentManagement>
+</p:properties>
+</file>
+
+<file path=customXml/item3.xml><?xml version="1.0" encoding="utf-8"?>
 <ct:contentTypeSchema xmlns:ct="http://schemas.microsoft.com/office/2006/metadata/contentType" xmlns:ma="http://schemas.microsoft.com/office/2006/metadata/properties/metaAttributes" ct:_="" ma:_="" ma:contentTypeName="Document" ma:contentTypeID="0x01010079F111ED35F8CC479449609E8A0923A6" ma:contentTypeVersion="11" ma:contentTypeDescription="Create a new document." ma:contentTypeScope="" ma:versionID="9677210f24a1be23c92c90fd886aa0aa">
   <xsd:schema xmlns:xsd="http://www.w3.org/2001/XMLSchema" xmlns:xs="http://www.w3.org/2001/XMLSchema" xmlns:p="http://schemas.microsoft.com/office/2006/metadata/properties" xmlns:ns2="71af3243-3dd4-4a8d-8c0d-dd76da1f02a5" xmlns:ns3="16c05727-aa75-4e4a-9b5f-8a80a1165891" targetNamespace="http://schemas.microsoft.com/office/2006/metadata/properties" ma:root="true" ma:fieldsID="60e05723c5c1908df1a1a4ebf11d344e" ns2:_="" ns3:_="">
     <xsd:import namespace="71af3243-3dd4-4a8d-8c0d-dd76da1f02a5"/>
@@ -13631,14 +14127,6 @@
 </ct:contentTypeSchema>
 </file>
 
-<file path=customXml/item3.xml><?xml version="1.0" encoding="utf-8"?>
-<p:properties xmlns:p="http://schemas.microsoft.com/office/2006/metadata/properties" xmlns:xsi="http://www.w3.org/2001/XMLSchema-instance" xmlns:pc="http://schemas.microsoft.com/office/infopath/2007/PartnerControls">
-  <documentManagement>
-    <MediaServiceKeyPoints xmlns="71af3243-3dd4-4a8d-8c0d-dd76da1f02a5" xsi:nil="true"/>
-  </documentManagement>
-</p:properties>
-</file>
-
 <file path=customXml/itemProps1.xml><?xml version="1.0" encoding="utf-8"?>
 <ds:datastoreItem xmlns:ds="http://schemas.openxmlformats.org/officeDocument/2006/customXml" ds:itemID="{9AEF1282-A6E9-4912-8AB9-8ED69BF7097D}">
   <ds:schemaRefs>
@@ -13648,6 +14136,23 @@
 </file>
 
 <file path=customXml/itemProps2.xml><?xml version="1.0" encoding="utf-8"?>
+<ds:datastoreItem xmlns:ds="http://schemas.openxmlformats.org/officeDocument/2006/customXml" ds:itemID="{CC24F515-356D-4532-BE08-F6D7771916F0}">
+  <ds:schemaRefs>
+    <ds:schemaRef ds:uri="http://purl.org/dc/terms/"/>
+    <ds:schemaRef ds:uri="http://purl.org/dc/dcmitype/"/>
+    <ds:schemaRef ds:uri="http://schemas.microsoft.com/office/infopath/2007/PartnerControls"/>
+    <ds:schemaRef ds:uri="http://schemas.openxmlformats.org/package/2006/metadata/core-properties"/>
+    <ds:schemaRef ds:uri="http://schemas.microsoft.com/office/2006/documentManagement/types"/>
+    <ds:schemaRef ds:uri="http://purl.org/dc/elements/1.1/"/>
+    <ds:schemaRef ds:uri="16c05727-aa75-4e4a-9b5f-8a80a1165891"/>
+    <ds:schemaRef ds:uri="71af3243-3dd4-4a8d-8c0d-dd76da1f02a5"/>
+    <ds:schemaRef ds:uri="http://schemas.microsoft.com/office/2006/metadata/properties"/>
+    <ds:schemaRef ds:uri="http://www.w3.org/XML/1998/namespace"/>
+  </ds:schemaRefs>
+</ds:datastoreItem>
+</file>
+
+<file path=customXml/itemProps3.xml><?xml version="1.0" encoding="utf-8"?>
 <ds:datastoreItem xmlns:ds="http://schemas.openxmlformats.org/officeDocument/2006/customXml" ds:itemID="{83E04B51-1D33-4F14-BBD7-79D7D27E2EE4}">
   <ds:schemaRefs>
     <ds:schemaRef ds:uri="http://schemas.microsoft.com/office/2006/metadata/contentType"/>
@@ -13664,14 +14169,4 @@
     <ds:schemaRef ds:uri="http://schemas.microsoft.com/internal/obd"/>
   </ds:schemaRefs>
 </ds:datastoreItem>
-</file>
-
-<file path=customXml/itemProps3.xml><?xml version="1.0" encoding="utf-8"?>
-<ds:datastoreItem xmlns:ds="http://schemas.openxmlformats.org/officeDocument/2006/customXml" ds:itemID="{CC24F515-356D-4532-BE08-F6D7771916F0}">
-  <ds:schemaRefs>
-    <ds:schemaRef ds:uri="http://schemas.microsoft.com/office/2006/metadata/properties"/>
-    <ds:schemaRef ds:uri="http://schemas.microsoft.com/office/infopath/2007/PartnerControls"/>
-    <ds:schemaRef ds:uri="71af3243-3dd4-4a8d-8c0d-dd76da1f02a5"/>
-  </ds:schemaRefs>
-</ds:datastoreItem>
 </file>